--- a/src/CSS中的那些上下文/CSS中的那些上下文.pptx
+++ b/src/CSS中的那些上下文/CSS中的那些上下文.pptx
@@ -3960,9 +3960,9 @@
         <p:grpSpPr bwMode="auto">
           <a:xfrm>
             <a:off x="3606406" y="3288669"/>
-            <a:ext cx="1933575" cy="332740"/>
+            <a:ext cx="1933575" cy="320040"/>
             <a:chOff x="0" y="-12493"/>
-            <a:chExt cx="2578556" cy="443918"/>
+            <a:chExt cx="2578556" cy="426975"/>
           </a:xfrm>
         </p:grpSpPr>
         <p:grpSp>
@@ -4681,7 +4681,7 @@
           <p:spPr bwMode="auto">
             <a:xfrm>
               <a:off x="1488941" y="15464"/>
-              <a:ext cx="929804" cy="415961"/>
+              <a:ext cx="1040737" cy="399018"/>
             </a:xfrm>
             <a:prstGeom prst="rect">
               <a:avLst/>
@@ -4828,16 +4828,16 @@
             <a:p>
               <a:pPr eaLnBrk="1" hangingPunct="1"/>
               <a:r>
-                <a:rPr lang="zh-CN" altLang="en-US" b="1">
+                <a:rPr lang="en-US" altLang="zh-CN" b="1">
                   <a:solidFill>
                     <a:schemeClr val="bg1"/>
                   </a:solidFill>
                   <a:latin typeface="微软雅黑" panose="020B0503020204020204" pitchFamily="34" charset="-122"/>
                   <a:ea typeface="微软雅黑" panose="020B0503020204020204" pitchFamily="34" charset="-122"/>
                 </a:rPr>
-                <a:t>何家飞</a:t>
+                <a:t>mat.he</a:t>
               </a:r>
-              <a:endParaRPr lang="zh-CN" altLang="en-US" b="1">
+              <a:endParaRPr lang="en-US" altLang="zh-CN" b="1">
                 <a:solidFill>
                   <a:schemeClr val="bg1"/>
                 </a:solidFill>
